--- a/第 4 章/1_Worksheet1_姓名_我的PMF画布.pptx
+++ b/第 4 章/1_Worksheet1_姓名_我的PMF画布.pptx
@@ -5,11 +5,10 @@
     <p:sldMasterId id="2147483648" r:id="rId1"/>
   </p:sldMasterIdLst>
   <p:notesMasterIdLst>
-    <p:notesMasterId r:id="rId4"/>
+    <p:notesMasterId r:id="rId3"/>
   </p:notesMasterIdLst>
   <p:sldIdLst>
     <p:sldId id="256" r:id="rId2"/>
-    <p:sldId id="257" r:id="rId3"/>
   </p:sldIdLst>
   <p:sldSz cx="24384000" cy="13716000"/>
   <p:notesSz cx="6858000" cy="9144000"/>
@@ -311,6 +310,11 @@
       </a:defRPr>
     </a:lvl9pPr>
   </p:defaultTextStyle>
+  <p:extLst>
+    <p:ext uri="{EFAFB233-063F-42B5-8137-9DF3F51BA10A}">
+      <p15:sldGuideLst xmlns:p15="http://schemas.microsoft.com/office/powerpoint/2012/main"/>
+    </p:ext>
+  </p:extLst>
 </p:presentation>
 </file>
 
@@ -674,137 +678,6 @@
 
 <file path=ppt/slideLayouts/slideLayout10.xml><?xml version="1.0" encoding="utf-8"?>
 <p:sldLayout xmlns:a="http://schemas.openxmlformats.org/drawingml/2006/main" xmlns:r="http://schemas.openxmlformats.org/officeDocument/2006/relationships" xmlns:p="http://schemas.openxmlformats.org/presentationml/2006/main" type="tx">
-  <p:cSld name="引文">
-    <p:spTree>
-      <p:nvGrpSpPr>
-        <p:cNvPr id="1" name=""/>
-        <p:cNvGrpSpPr/>
-        <p:nvPr/>
-      </p:nvGrpSpPr>
-      <p:grpSpPr>
-        <a:xfrm>
-          <a:off x="0" y="0"/>
-          <a:ext cx="0" cy="0"/>
-          <a:chOff x="0" y="0"/>
-          <a:chExt cx="0" cy="0"/>
-        </a:xfrm>
-      </p:grpSpPr>
-      <p:sp>
-        <p:nvSpPr>
-          <p:cNvPr id="93" name="Shape 93"/>
-          <p:cNvSpPr>
-            <a:spLocks noGrp="1"/>
-          </p:cNvSpPr>
-          <p:nvPr>
-            <p:ph type="body" sz="quarter" idx="13"/>
-          </p:nvPr>
-        </p:nvSpPr>
-        <p:spPr>
-          <a:xfrm>
-            <a:off x="4833937" y="8001000"/>
-            <a:ext cx="14716126" cy="714375"/>
-          </a:xfrm>
-          <a:prstGeom prst="rect">
-            <a:avLst/>
-          </a:prstGeom>
-        </p:spPr>
-        <p:txBody>
-          <a:bodyPr anchor="t">
-            <a:spAutoFit/>
-          </a:bodyPr>
-          <a:lstStyle>
-            <a:lvl1pPr marL="0" indent="0" algn="ctr">
-              <a:spcBef>
-                <a:spcPts val="0"/>
-              </a:spcBef>
-              <a:buSzTx/>
-              <a:buNone/>
-              <a:defRPr sz="3800"/>
-            </a:lvl1pPr>
-          </a:lstStyle>
-          <a:p>
-            <a:r>
-              <a:t>–Johnny Appleseed</a:t>
-            </a:r>
-          </a:p>
-        </p:txBody>
-      </p:sp>
-      <p:sp>
-        <p:nvSpPr>
-          <p:cNvPr id="94" name="Shape 94"/>
-          <p:cNvSpPr>
-            <a:spLocks noGrp="1"/>
-          </p:cNvSpPr>
-          <p:nvPr>
-            <p:ph type="body" sz="quarter" idx="14"/>
-          </p:nvPr>
-        </p:nvSpPr>
-        <p:spPr>
-          <a:xfrm>
-            <a:off x="4833937" y="5760442"/>
-            <a:ext cx="14716126" cy="1069976"/>
-          </a:xfrm>
-          <a:prstGeom prst="rect">
-            <a:avLst/>
-          </a:prstGeom>
-        </p:spPr>
-        <p:txBody>
-          <a:bodyPr>
-            <a:spAutoFit/>
-          </a:bodyPr>
-          <a:lstStyle>
-            <a:lvl1pPr marL="0" indent="0" algn="ctr">
-              <a:spcBef>
-                <a:spcPts val="0"/>
-              </a:spcBef>
-              <a:buSzTx/>
-              <a:buNone/>
-            </a:lvl1pPr>
-          </a:lstStyle>
-          <a:p>
-            <a:r>
-              <a:t>“在此键入引文。”</a:t>
-            </a:r>
-          </a:p>
-        </p:txBody>
-      </p:sp>
-      <p:sp>
-        <p:nvSpPr>
-          <p:cNvPr id="95" name="Shape 95"/>
-          <p:cNvSpPr>
-            <a:spLocks noGrp="1"/>
-          </p:cNvSpPr>
-          <p:nvPr>
-            <p:ph type="sldNum" sz="quarter" idx="2"/>
-          </p:nvPr>
-        </p:nvSpPr>
-        <p:spPr>
-          <a:prstGeom prst="rect">
-            <a:avLst/>
-          </a:prstGeom>
-        </p:spPr>
-        <p:txBody>
-          <a:bodyPr/>
-          <a:lstStyle/>
-          <a:p>
-            <a:fld id="{86CB4B4D-7CA3-9044-876B-883B54F8677D}" type="slidenum">
-              <a:t>‹#›</a:t>
-            </a:fld>
-            <a:endParaRPr/>
-          </a:p>
-        </p:txBody>
-      </p:sp>
-    </p:spTree>
-  </p:cSld>
-  <p:clrMapOvr>
-    <a:masterClrMapping/>
-  </p:clrMapOvr>
-  <p:transition spd="med"/>
-</p:sldLayout>
-</file>
-
-<file path=ppt/slideLayouts/slideLayout11.xml><?xml version="1.0" encoding="utf-8"?>
-<p:sldLayout xmlns:a="http://schemas.openxmlformats.org/drawingml/2006/main" xmlns:r="http://schemas.openxmlformats.org/officeDocument/2006/relationships" xmlns:p="http://schemas.openxmlformats.org/presentationml/2006/main" type="tx">
   <p:cSld name="照片">
     <p:spTree>
       <p:nvGrpSpPr>
@@ -884,7 +757,7 @@
 </p:sldLayout>
 </file>
 
-<file path=ppt/slideLayouts/slideLayout12.xml><?xml version="1.0" encoding="utf-8"?>
+<file path=ppt/slideLayouts/slideLayout11.xml><?xml version="1.0" encoding="utf-8"?>
 <p:sldLayout xmlns:a="http://schemas.openxmlformats.org/drawingml/2006/main" xmlns:r="http://schemas.openxmlformats.org/officeDocument/2006/relationships" xmlns:p="http://schemas.openxmlformats.org/presentationml/2006/main" type="tx">
   <p:cSld name="空白">
     <p:spTree>
@@ -1494,178 +1367,6 @@
 
 <file path=ppt/slideLayouts/slideLayout6.xml><?xml version="1.0" encoding="utf-8"?>
 <p:sldLayout xmlns:a="http://schemas.openxmlformats.org/drawingml/2006/main" xmlns:r="http://schemas.openxmlformats.org/officeDocument/2006/relationships" xmlns:p="http://schemas.openxmlformats.org/presentationml/2006/main" type="tx">
-  <p:cSld name="标题与项目符号">
-    <p:spTree>
-      <p:nvGrpSpPr>
-        <p:cNvPr id="1" name=""/>
-        <p:cNvGrpSpPr/>
-        <p:nvPr/>
-      </p:nvGrpSpPr>
-      <p:grpSpPr>
-        <a:xfrm>
-          <a:off x="0" y="0"/>
-          <a:ext cx="0" cy="0"/>
-          <a:chOff x="0" y="0"/>
-          <a:chExt cx="0" cy="0"/>
-        </a:xfrm>
-      </p:grpSpPr>
-      <p:sp>
-        <p:nvSpPr>
-          <p:cNvPr id="56" name="Shape 56"/>
-          <p:cNvSpPr>
-            <a:spLocks noGrp="1"/>
-          </p:cNvSpPr>
-          <p:nvPr>
-            <p:ph type="title"/>
-          </p:nvPr>
-        </p:nvSpPr>
-        <p:spPr>
-          <a:prstGeom prst="rect">
-            <a:avLst/>
-          </a:prstGeom>
-        </p:spPr>
-        <p:txBody>
-          <a:bodyPr/>
-          <a:lstStyle/>
-          <a:p>
-            <a:r>
-              <a:t>标题文本</a:t>
-            </a:r>
-          </a:p>
-        </p:txBody>
-      </p:sp>
-      <p:sp>
-        <p:nvSpPr>
-          <p:cNvPr id="57" name="Shape 57"/>
-          <p:cNvSpPr>
-            <a:spLocks noGrp="1"/>
-          </p:cNvSpPr>
-          <p:nvPr>
-            <p:ph type="body" idx="1"/>
-          </p:nvPr>
-        </p:nvSpPr>
-        <p:spPr>
-          <a:prstGeom prst="rect">
-            <a:avLst/>
-          </a:prstGeom>
-        </p:spPr>
-        <p:txBody>
-          <a:bodyPr/>
-          <a:lstStyle>
-            <a:lvl1pPr marL="724452" indent="-724452">
-              <a:lnSpc>
-                <a:spcPct val="120000"/>
-              </a:lnSpc>
-              <a:spcBef>
-                <a:spcPts val="6400"/>
-              </a:spcBef>
-              <a:defRPr sz="6400"/>
-            </a:lvl1pPr>
-            <a:lvl2pPr marL="1245152" indent="-724452">
-              <a:lnSpc>
-                <a:spcPct val="120000"/>
-              </a:lnSpc>
-              <a:spcBef>
-                <a:spcPts val="6400"/>
-              </a:spcBef>
-              <a:defRPr sz="6400"/>
-            </a:lvl2pPr>
-            <a:lvl3pPr marL="1765852" indent="-724452">
-              <a:lnSpc>
-                <a:spcPct val="120000"/>
-              </a:lnSpc>
-              <a:spcBef>
-                <a:spcPts val="6400"/>
-              </a:spcBef>
-              <a:defRPr sz="6400"/>
-            </a:lvl3pPr>
-            <a:lvl4pPr marL="2286552" indent="-724452">
-              <a:lnSpc>
-                <a:spcPct val="120000"/>
-              </a:lnSpc>
-              <a:spcBef>
-                <a:spcPts val="6400"/>
-              </a:spcBef>
-              <a:defRPr sz="6400"/>
-            </a:lvl4pPr>
-            <a:lvl5pPr marL="2807252" indent="-724452">
-              <a:lnSpc>
-                <a:spcPct val="120000"/>
-              </a:lnSpc>
-              <a:spcBef>
-                <a:spcPts val="6400"/>
-              </a:spcBef>
-              <a:defRPr sz="6400"/>
-            </a:lvl5pPr>
-          </a:lstStyle>
-          <a:p>
-            <a:r>
-              <a:t>正文级别 1</a:t>
-            </a:r>
-          </a:p>
-          <a:p>
-            <a:pPr lvl="1"/>
-            <a:r>
-              <a:t>正文级别 2</a:t>
-            </a:r>
-          </a:p>
-          <a:p>
-            <a:pPr lvl="2"/>
-            <a:r>
-              <a:t>正文级别 3</a:t>
-            </a:r>
-          </a:p>
-          <a:p>
-            <a:pPr lvl="3"/>
-            <a:r>
-              <a:t>正文级别 4</a:t>
-            </a:r>
-          </a:p>
-          <a:p>
-            <a:pPr lvl="4"/>
-            <a:r>
-              <a:t>正文级别 5</a:t>
-            </a:r>
-          </a:p>
-        </p:txBody>
-      </p:sp>
-      <p:sp>
-        <p:nvSpPr>
-          <p:cNvPr id="58" name="Shape 58"/>
-          <p:cNvSpPr>
-            <a:spLocks noGrp="1"/>
-          </p:cNvSpPr>
-          <p:nvPr>
-            <p:ph type="sldNum" sz="quarter" idx="2"/>
-          </p:nvPr>
-        </p:nvSpPr>
-        <p:spPr>
-          <a:prstGeom prst="rect">
-            <a:avLst/>
-          </a:prstGeom>
-        </p:spPr>
-        <p:txBody>
-          <a:bodyPr/>
-          <a:lstStyle/>
-          <a:p>
-            <a:fld id="{86CB4B4D-7CA3-9044-876B-883B54F8677D}" type="slidenum">
-              <a:t>‹#›</a:t>
-            </a:fld>
-            <a:endParaRPr/>
-          </a:p>
-        </p:txBody>
-      </p:sp>
-    </p:spTree>
-  </p:cSld>
-  <p:clrMapOvr>
-    <a:masterClrMapping/>
-  </p:clrMapOvr>
-  <p:transition spd="med"/>
-</p:sldLayout>
-</file>
-
-<file path=ppt/slideLayouts/slideLayout7.xml><?xml version="1.0" encoding="utf-8"?>
-<p:sldLayout xmlns:a="http://schemas.openxmlformats.org/drawingml/2006/main" xmlns:r="http://schemas.openxmlformats.org/officeDocument/2006/relationships" xmlns:p="http://schemas.openxmlformats.org/presentationml/2006/main" type="tx">
   <p:cSld name="标题、项目符号与照片">
     <p:spTree>
       <p:nvGrpSpPr>
@@ -1823,7 +1524,7 @@
 </p:sldLayout>
 </file>
 
-<file path=ppt/slideLayouts/slideLayout8.xml><?xml version="1.0" encoding="utf-8"?>
+<file path=ppt/slideLayouts/slideLayout7.xml><?xml version="1.0" encoding="utf-8"?>
 <p:sldLayout xmlns:a="http://schemas.openxmlformats.org/drawingml/2006/main" xmlns:r="http://schemas.openxmlformats.org/officeDocument/2006/relationships" xmlns:p="http://schemas.openxmlformats.org/presentationml/2006/main" type="tx">
   <p:cSld name="项目符号">
     <p:spTree>
@@ -1974,7 +1675,7 @@
 </p:sldLayout>
 </file>
 
-<file path=ppt/slideLayouts/slideLayout9.xml><?xml version="1.0" encoding="utf-8"?>
+<file path=ppt/slideLayouts/slideLayout8.xml><?xml version="1.0" encoding="utf-8"?>
 <p:sldLayout xmlns:a="http://schemas.openxmlformats.org/drawingml/2006/main" xmlns:r="http://schemas.openxmlformats.org/officeDocument/2006/relationships" xmlns:p="http://schemas.openxmlformats.org/presentationml/2006/main" type="tx">
   <p:cSld name="照片 - 3 联">
     <p:spTree>
@@ -2113,13 +1814,144 @@
 </p:sldLayout>
 </file>
 
+<file path=ppt/slideLayouts/slideLayout9.xml><?xml version="1.0" encoding="utf-8"?>
+<p:sldLayout xmlns:a="http://schemas.openxmlformats.org/drawingml/2006/main" xmlns:r="http://schemas.openxmlformats.org/officeDocument/2006/relationships" xmlns:p="http://schemas.openxmlformats.org/presentationml/2006/main" type="tx">
+  <p:cSld name="引文">
+    <p:spTree>
+      <p:nvGrpSpPr>
+        <p:cNvPr id="1" name=""/>
+        <p:cNvGrpSpPr/>
+        <p:nvPr/>
+      </p:nvGrpSpPr>
+      <p:grpSpPr>
+        <a:xfrm>
+          <a:off x="0" y="0"/>
+          <a:ext cx="0" cy="0"/>
+          <a:chOff x="0" y="0"/>
+          <a:chExt cx="0" cy="0"/>
+        </a:xfrm>
+      </p:grpSpPr>
+      <p:sp>
+        <p:nvSpPr>
+          <p:cNvPr id="93" name="Shape 93"/>
+          <p:cNvSpPr>
+            <a:spLocks noGrp="1"/>
+          </p:cNvSpPr>
+          <p:nvPr>
+            <p:ph type="body" sz="quarter" idx="13"/>
+          </p:nvPr>
+        </p:nvSpPr>
+        <p:spPr>
+          <a:xfrm>
+            <a:off x="4833937" y="8001000"/>
+            <a:ext cx="14716126" cy="714375"/>
+          </a:xfrm>
+          <a:prstGeom prst="rect">
+            <a:avLst/>
+          </a:prstGeom>
+        </p:spPr>
+        <p:txBody>
+          <a:bodyPr anchor="t">
+            <a:spAutoFit/>
+          </a:bodyPr>
+          <a:lstStyle>
+            <a:lvl1pPr marL="0" indent="0" algn="ctr">
+              <a:spcBef>
+                <a:spcPts val="0"/>
+              </a:spcBef>
+              <a:buSzTx/>
+              <a:buNone/>
+              <a:defRPr sz="3800"/>
+            </a:lvl1pPr>
+          </a:lstStyle>
+          <a:p>
+            <a:r>
+              <a:t>–Johnny Appleseed</a:t>
+            </a:r>
+          </a:p>
+        </p:txBody>
+      </p:sp>
+      <p:sp>
+        <p:nvSpPr>
+          <p:cNvPr id="94" name="Shape 94"/>
+          <p:cNvSpPr>
+            <a:spLocks noGrp="1"/>
+          </p:cNvSpPr>
+          <p:nvPr>
+            <p:ph type="body" sz="quarter" idx="14"/>
+          </p:nvPr>
+        </p:nvSpPr>
+        <p:spPr>
+          <a:xfrm>
+            <a:off x="4833937" y="5760442"/>
+            <a:ext cx="14716126" cy="1069976"/>
+          </a:xfrm>
+          <a:prstGeom prst="rect">
+            <a:avLst/>
+          </a:prstGeom>
+        </p:spPr>
+        <p:txBody>
+          <a:bodyPr>
+            <a:spAutoFit/>
+          </a:bodyPr>
+          <a:lstStyle>
+            <a:lvl1pPr marL="0" indent="0" algn="ctr">
+              <a:spcBef>
+                <a:spcPts val="0"/>
+              </a:spcBef>
+              <a:buSzTx/>
+              <a:buNone/>
+            </a:lvl1pPr>
+          </a:lstStyle>
+          <a:p>
+            <a:r>
+              <a:t>“在此键入引文。”</a:t>
+            </a:r>
+          </a:p>
+        </p:txBody>
+      </p:sp>
+      <p:sp>
+        <p:nvSpPr>
+          <p:cNvPr id="95" name="Shape 95"/>
+          <p:cNvSpPr>
+            <a:spLocks noGrp="1"/>
+          </p:cNvSpPr>
+          <p:nvPr>
+            <p:ph type="sldNum" sz="quarter" idx="2"/>
+          </p:nvPr>
+        </p:nvSpPr>
+        <p:spPr>
+          <a:prstGeom prst="rect">
+            <a:avLst/>
+          </a:prstGeom>
+        </p:spPr>
+        <p:txBody>
+          <a:bodyPr/>
+          <a:lstStyle/>
+          <a:p>
+            <a:fld id="{86CB4B4D-7CA3-9044-876B-883B54F8677D}" type="slidenum">
+              <a:t>‹#›</a:t>
+            </a:fld>
+            <a:endParaRPr/>
+          </a:p>
+        </p:txBody>
+      </p:sp>
+    </p:spTree>
+  </p:cSld>
+  <p:clrMapOvr>
+    <a:masterClrMapping/>
+  </p:clrMapOvr>
+  <p:transition spd="med"/>
+</p:sldLayout>
+</file>
+
 <file path=ppt/slideMasters/slideMaster1.xml><?xml version="1.0" encoding="utf-8"?>
 <p:sldMaster xmlns:a="http://schemas.openxmlformats.org/drawingml/2006/main" xmlns:r="http://schemas.openxmlformats.org/officeDocument/2006/relationships" xmlns:p="http://schemas.openxmlformats.org/presentationml/2006/main">
   <p:cSld>
     <p:bg>
       <p:bgPr>
         <a:blipFill rotWithShape="1">
-          <a:blip r:embed="rId14"/>
+          <a:blip r:embed="rId13"/>
           <a:srcRect/>
           <a:stretch>
             <a:fillRect/>
@@ -2292,13 +2124,12 @@
     <p:sldLayoutId id="2147483651" r:id="rId3"/>
     <p:sldLayoutId id="2147483652" r:id="rId4"/>
     <p:sldLayoutId id="2147483653" r:id="rId5"/>
-    <p:sldLayoutId id="2147483654" r:id="rId6"/>
-    <p:sldLayoutId id="2147483655" r:id="rId7"/>
-    <p:sldLayoutId id="2147483656" r:id="rId8"/>
-    <p:sldLayoutId id="2147483657" r:id="rId9"/>
-    <p:sldLayoutId id="2147483658" r:id="rId10"/>
-    <p:sldLayoutId id="2147483659" r:id="rId11"/>
-    <p:sldLayoutId id="2147483660" r:id="rId12"/>
+    <p:sldLayoutId id="2147483655" r:id="rId6"/>
+    <p:sldLayoutId id="2147483656" r:id="rId7"/>
+    <p:sldLayoutId id="2147483657" r:id="rId8"/>
+    <p:sldLayoutId id="2147483658" r:id="rId9"/>
+    <p:sldLayoutId id="2147483659" r:id="rId10"/>
+    <p:sldLayoutId id="2147483660" r:id="rId11"/>
   </p:sldLayoutIdLst>
   <p:transition spd="med"/>
   <p:txStyles>
@@ -3862,218 +3693,6 @@
 </p:sld>
 </file>
 
-<file path=ppt/slides/slide2.xml><?xml version="1.0" encoding="utf-8"?>
-<p:sld xmlns:a="http://schemas.openxmlformats.org/drawingml/2006/main" xmlns:r="http://schemas.openxmlformats.org/officeDocument/2006/relationships" xmlns:p="http://schemas.openxmlformats.org/presentationml/2006/main">
-  <p:cSld>
-    <p:spTree>
-      <p:nvGrpSpPr>
-        <p:cNvPr id="1" name=""/>
-        <p:cNvGrpSpPr/>
-        <p:nvPr/>
-      </p:nvGrpSpPr>
-      <p:grpSpPr>
-        <a:xfrm>
-          <a:off x="0" y="0"/>
-          <a:ext cx="0" cy="0"/>
-          <a:chOff x="0" y="0"/>
-          <a:chExt cx="0" cy="0"/>
-        </a:xfrm>
-      </p:grpSpPr>
-      <p:sp>
-        <p:nvSpPr>
-          <p:cNvPr id="123" name="Shape 123"/>
-          <p:cNvSpPr>
-            <a:spLocks noGrp="1"/>
-          </p:cNvSpPr>
-          <p:nvPr>
-            <p:ph type="title"/>
-          </p:nvPr>
-        </p:nvSpPr>
-        <p:spPr>
-          <a:prstGeom prst="rect">
-            <a:avLst/>
-          </a:prstGeom>
-        </p:spPr>
-        <p:txBody>
-          <a:bodyPr/>
-          <a:lstStyle/>
-          <a:p>
-            <a:r>
-              <a:t>关于PMF画布作业提交</a:t>
-            </a:r>
-          </a:p>
-        </p:txBody>
-      </p:sp>
-      <p:sp>
-        <p:nvSpPr>
-          <p:cNvPr id="124" name="Shape 124"/>
-          <p:cNvSpPr>
-            <a:spLocks noGrp="1"/>
-          </p:cNvSpPr>
-          <p:nvPr>
-            <p:ph type="body" idx="1"/>
-          </p:nvPr>
-        </p:nvSpPr>
-        <p:spPr>
-          <a:xfrm>
-            <a:off x="2025468" y="4500892"/>
-            <a:ext cx="20333064" cy="7747235"/>
-          </a:xfrm>
-          <a:prstGeom prst="rect">
-            <a:avLst/>
-          </a:prstGeom>
-        </p:spPr>
-        <p:txBody>
-          <a:bodyPr anchor="t"/>
-          <a:lstStyle/>
-          <a:p>
-            <a:pPr marL="0" indent="0">
-              <a:lnSpc>
-                <a:spcPct val="150000"/>
-              </a:lnSpc>
-              <a:spcBef>
-                <a:spcPts val="0"/>
-              </a:spcBef>
-              <a:buSzTx/>
-              <a:buNone/>
-              <a:defRPr sz="4500"/>
-            </a:pPr>
-            <a:r>
-              <a:rPr dirty="0">
-                <a:latin typeface="Gill Sans SemiBold"/>
-                <a:ea typeface="Gill Sans SemiBold"/>
-                <a:cs typeface="Gill Sans SemiBold"/>
-                <a:sym typeface="Gill Sans SemiBold"/>
-              </a:rPr>
-              <a:t>Step1：</a:t>
-            </a:r>
-            <a:r>
-              <a:rPr dirty="0"/>
-              <a:t>将上一页的PMF画布内容填写完成后，导出图片格式（Jpg／Jpe／Png）；</a:t>
-            </a:r>
-          </a:p>
-          <a:p>
-            <a:pPr marL="0" indent="0">
-              <a:lnSpc>
-                <a:spcPct val="150000"/>
-              </a:lnSpc>
-              <a:spcBef>
-                <a:spcPts val="0"/>
-              </a:spcBef>
-              <a:buSzTx/>
-              <a:buNone/>
-              <a:defRPr sz="4500"/>
-            </a:pPr>
-            <a:r>
-              <a:rPr dirty="0" smtClean="0">
-                <a:latin typeface="Gill Sans SemiBold"/>
-                <a:ea typeface="Gill Sans SemiBold"/>
-                <a:cs typeface="Gill Sans SemiBold"/>
-                <a:sym typeface="Gill Sans SemiBold"/>
-              </a:rPr>
-              <a:t>Step2：</a:t>
-            </a:r>
-            <a:r>
-              <a:rPr lang="zh-CN" altLang="en-US" dirty="0" smtClean="0"/>
-              <a:t>发布微博，带上话题</a:t>
-            </a:r>
-            <a:r>
-              <a:rPr lang="en-US" altLang="zh-CN" b="1" dirty="0" smtClean="0"/>
-              <a:t>#</a:t>
-            </a:r>
-            <a:r>
-              <a:rPr lang="zh-CN" altLang="en-US" b="1" dirty="0" smtClean="0"/>
-              <a:t>半撇私塾</a:t>
-            </a:r>
-            <a:r>
-              <a:rPr lang="en-US" altLang="zh-CN" b="1" dirty="0" smtClean="0"/>
-              <a:t>##</a:t>
-            </a:r>
-            <a:r>
-              <a:rPr lang="zh-CN" altLang="en-US" b="1" dirty="0" smtClean="0"/>
-              <a:t>全栈新媒体人成长计划</a:t>
-            </a:r>
-            <a:r>
-              <a:rPr lang="en-US" altLang="zh-CN" b="1" dirty="0" smtClean="0"/>
-              <a:t>#</a:t>
-            </a:r>
-            <a:r>
-              <a:rPr lang="zh-CN" altLang="en-US" dirty="0" smtClean="0"/>
-              <a:t>＋你想说的话，并</a:t>
-            </a:r>
-            <a:r>
-              <a:rPr lang="en-US" altLang="zh-CN" b="1" dirty="0" smtClean="0"/>
-              <a:t>@</a:t>
-            </a:r>
-            <a:r>
-              <a:rPr lang="zh-CN" altLang="en-US" b="1" dirty="0" smtClean="0"/>
-              <a:t>半撇私塾</a:t>
-            </a:r>
-            <a:r>
-              <a:rPr dirty="0" smtClean="0"/>
-              <a:t>。</a:t>
-            </a:r>
-            <a:endParaRPr dirty="0"/>
-          </a:p>
-          <a:p>
-            <a:pPr marL="0" indent="0">
-              <a:lnSpc>
-                <a:spcPct val="150000"/>
-              </a:lnSpc>
-              <a:spcBef>
-                <a:spcPts val="0"/>
-              </a:spcBef>
-              <a:buSzTx/>
-              <a:buNone/>
-              <a:defRPr sz="4500"/>
-            </a:pPr>
-            <a:endParaRPr dirty="0"/>
-          </a:p>
-          <a:p>
-            <a:pPr marL="0" indent="0">
-              <a:lnSpc>
-                <a:spcPct val="150000"/>
-              </a:lnSpc>
-              <a:spcBef>
-                <a:spcPts val="0"/>
-              </a:spcBef>
-              <a:buSzTx/>
-              <a:buNone/>
-              <a:defRPr sz="4500"/>
-            </a:pPr>
-            <a:r>
-              <a:rPr dirty="0" smtClean="0"/>
-              <a:t>老师将会</a:t>
-            </a:r>
-            <a:r>
-              <a:rPr lang="zh-CN" altLang="en-US" dirty="0" smtClean="0"/>
-              <a:t>在</a:t>
-            </a:r>
-            <a:r>
-              <a:rPr lang="en-US" altLang="zh-CN" dirty="0" smtClean="0"/>
-              <a:t>2</a:t>
-            </a:r>
-            <a:r>
-              <a:rPr lang="zh-CN" altLang="en-US" dirty="0" smtClean="0"/>
-              <a:t>个工作日内对你的作业进行点评</a:t>
-            </a:r>
-            <a:r>
-              <a:rPr dirty="0" smtClean="0"/>
-              <a:t>。</a:t>
-            </a:r>
-            <a:endParaRPr dirty="0"/>
-          </a:p>
-        </p:txBody>
-      </p:sp>
-    </p:spTree>
-  </p:cSld>
-  <p:clrMapOvr>
-    <a:masterClrMapping/>
-  </p:clrMapOvr>
-  <p:transition spd="slow"/>
-</p:sld>
-</file>
-
 <file path=ppt/theme/theme1.xml><?xml version="1.0" encoding="utf-8"?>
 <a:theme xmlns:a="http://schemas.openxmlformats.org/drawingml/2006/main" name="Showroom">
   <a:themeElements>
